--- a/第一週_1.課堂規定_評量標準_及課程方向.pptx
+++ b/第一週_1.課堂規定_評量標準_及課程方向.pptx
@@ -201,7 +201,7 @@
           <a:p>
             <a:fld id="{31A8676C-D457-4A0B-9C91-83939419494E}" type="datetimeFigureOut">
               <a:rPr lang="zh-TW" altLang="en-US" smtClean="0"/>
-              <a:t>2026/2/17</a:t>
+              <a:t>2026/2/18</a:t>
             </a:fld>
             <a:endParaRPr lang="zh-TW" altLang="en-US"/>
           </a:p>
@@ -689,7 +689,7 @@
           <a:p>
             <a:fld id="{6930F9A4-4469-4216-8732-74830AAB3356}" type="datetimeFigureOut">
               <a:rPr lang="zh-TW" altLang="en-US" smtClean="0"/>
-              <a:t>2026/2/17</a:t>
+              <a:t>2026/2/18</a:t>
             </a:fld>
             <a:endParaRPr lang="zh-TW" altLang="en-US"/>
           </a:p>
@@ -859,7 +859,7 @@
           <a:p>
             <a:fld id="{6930F9A4-4469-4216-8732-74830AAB3356}" type="datetimeFigureOut">
               <a:rPr lang="zh-TW" altLang="en-US" smtClean="0"/>
-              <a:t>2026/2/17</a:t>
+              <a:t>2026/2/18</a:t>
             </a:fld>
             <a:endParaRPr lang="zh-TW" altLang="en-US"/>
           </a:p>
@@ -1039,7 +1039,7 @@
           <a:p>
             <a:fld id="{6930F9A4-4469-4216-8732-74830AAB3356}" type="datetimeFigureOut">
               <a:rPr lang="zh-TW" altLang="en-US" smtClean="0"/>
-              <a:t>2026/2/17</a:t>
+              <a:t>2026/2/18</a:t>
             </a:fld>
             <a:endParaRPr lang="zh-TW" altLang="en-US"/>
           </a:p>
@@ -1209,7 +1209,7 @@
           <a:p>
             <a:fld id="{6930F9A4-4469-4216-8732-74830AAB3356}" type="datetimeFigureOut">
               <a:rPr lang="zh-TW" altLang="en-US" smtClean="0"/>
-              <a:t>2026/2/17</a:t>
+              <a:t>2026/2/18</a:t>
             </a:fld>
             <a:endParaRPr lang="zh-TW" altLang="en-US"/>
           </a:p>
@@ -1455,7 +1455,7 @@
           <a:p>
             <a:fld id="{6930F9A4-4469-4216-8732-74830AAB3356}" type="datetimeFigureOut">
               <a:rPr lang="zh-TW" altLang="en-US" smtClean="0"/>
-              <a:t>2026/2/17</a:t>
+              <a:t>2026/2/18</a:t>
             </a:fld>
             <a:endParaRPr lang="zh-TW" altLang="en-US"/>
           </a:p>
@@ -1687,7 +1687,7 @@
           <a:p>
             <a:fld id="{6930F9A4-4469-4216-8732-74830AAB3356}" type="datetimeFigureOut">
               <a:rPr lang="zh-TW" altLang="en-US" smtClean="0"/>
-              <a:t>2026/2/17</a:t>
+              <a:t>2026/2/18</a:t>
             </a:fld>
             <a:endParaRPr lang="zh-TW" altLang="en-US"/>
           </a:p>
@@ -2054,7 +2054,7 @@
           <a:p>
             <a:fld id="{6930F9A4-4469-4216-8732-74830AAB3356}" type="datetimeFigureOut">
               <a:rPr lang="zh-TW" altLang="en-US" smtClean="0"/>
-              <a:t>2026/2/17</a:t>
+              <a:t>2026/2/18</a:t>
             </a:fld>
             <a:endParaRPr lang="zh-TW" altLang="en-US"/>
           </a:p>
@@ -2172,7 +2172,7 @@
           <a:p>
             <a:fld id="{6930F9A4-4469-4216-8732-74830AAB3356}" type="datetimeFigureOut">
               <a:rPr lang="zh-TW" altLang="en-US" smtClean="0"/>
-              <a:t>2026/2/17</a:t>
+              <a:t>2026/2/18</a:t>
             </a:fld>
             <a:endParaRPr lang="zh-TW" altLang="en-US"/>
           </a:p>
@@ -2267,7 +2267,7 @@
           <a:p>
             <a:fld id="{6930F9A4-4469-4216-8732-74830AAB3356}" type="datetimeFigureOut">
               <a:rPr lang="zh-TW" altLang="en-US" smtClean="0"/>
-              <a:t>2026/2/17</a:t>
+              <a:t>2026/2/18</a:t>
             </a:fld>
             <a:endParaRPr lang="zh-TW" altLang="en-US"/>
           </a:p>
@@ -2544,7 +2544,7 @@
           <a:p>
             <a:fld id="{6930F9A4-4469-4216-8732-74830AAB3356}" type="datetimeFigureOut">
               <a:rPr lang="zh-TW" altLang="en-US" smtClean="0"/>
-              <a:t>2026/2/17</a:t>
+              <a:t>2026/2/18</a:t>
             </a:fld>
             <a:endParaRPr lang="zh-TW" altLang="en-US"/>
           </a:p>
@@ -2797,7 +2797,7 @@
           <a:p>
             <a:fld id="{6930F9A4-4469-4216-8732-74830AAB3356}" type="datetimeFigureOut">
               <a:rPr lang="zh-TW" altLang="en-US" smtClean="0"/>
-              <a:t>2026/2/17</a:t>
+              <a:t>2026/2/18</a:t>
             </a:fld>
             <a:endParaRPr lang="zh-TW" altLang="en-US"/>
           </a:p>
@@ -3010,7 +3010,7 @@
           <a:p>
             <a:fld id="{6930F9A4-4469-4216-8732-74830AAB3356}" type="datetimeFigureOut">
               <a:rPr lang="zh-TW" altLang="en-US" smtClean="0"/>
-              <a:t>2026/2/17</a:t>
+              <a:t>2026/2/18</a:t>
             </a:fld>
             <a:endParaRPr lang="zh-TW" altLang="en-US"/>
           </a:p>
@@ -3470,17 +3470,7 @@
                 <a:latin typeface="標楷體" panose="03000509000000000000" pitchFamily="65" charset="-120"/>
                 <a:ea typeface="標楷體" panose="03000509000000000000" pitchFamily="65" charset="-120"/>
               </a:rPr>
-              <a:t>評量</a:t>
-            </a:r>
-            <a:r>
-              <a:rPr lang="zh-TW" altLang="en-US" dirty="0" smtClean="0">
-                <a:solidFill>
-                  <a:srgbClr val="0000FF"/>
-                </a:solidFill>
-                <a:latin typeface="標楷體" panose="03000509000000000000" pitchFamily="65" charset="-120"/>
-                <a:ea typeface="標楷體" panose="03000509000000000000" pitchFamily="65" charset="-120"/>
-              </a:rPr>
-              <a:t>標準</a:t>
+              <a:t>評量標準</a:t>
             </a:r>
             <a:r>
               <a:rPr lang="en-US" altLang="zh-TW" dirty="0" smtClean="0">
@@ -3511,13 +3501,6 @@
               </a:rPr>
               <a:t>及課程方向</a:t>
             </a:r>
-            <a:endParaRPr lang="zh-TW" altLang="en-US" dirty="0">
-              <a:solidFill>
-                <a:srgbClr val="0000FF"/>
-              </a:solidFill>
-              <a:latin typeface="標楷體" panose="03000509000000000000" pitchFamily="65" charset="-120"/>
-              <a:ea typeface="標楷體" panose="03000509000000000000" pitchFamily="65" charset="-120"/>
-            </a:endParaRPr>
           </a:p>
         </p:txBody>
       </p:sp>
@@ -3618,13 +3601,6 @@
               </a:rPr>
               <a:t>Information Management</a:t>
             </a:r>
-            <a:endParaRPr lang="en-US" altLang="zh-TW" sz="2800" dirty="0">
-              <a:solidFill>
-                <a:srgbClr val="FF0000"/>
-              </a:solidFill>
-              <a:latin typeface="標楷體" panose="03000509000000000000" pitchFamily="65" charset="-120"/>
-              <a:ea typeface="標楷體" panose="03000509000000000000" pitchFamily="65" charset="-120"/>
-            </a:endParaRPr>
           </a:p>
           <a:p>
             <a:r>
@@ -4128,17 +4104,7 @@
                 <a:latin typeface="標楷體" panose="03000509000000000000" pitchFamily="65" charset="-120"/>
                 <a:ea typeface="標楷體" panose="03000509000000000000" pitchFamily="65" charset="-120"/>
               </a:rPr>
-              <a:t>2</a:t>
-            </a:r>
-            <a:r>
-              <a:rPr lang="en-US" altLang="zh-TW" dirty="0" smtClean="0">
-                <a:solidFill>
-                  <a:srgbClr val="0000FF"/>
-                </a:solidFill>
-                <a:latin typeface="標楷體" panose="03000509000000000000" pitchFamily="65" charset="-120"/>
-                <a:ea typeface="標楷體" panose="03000509000000000000" pitchFamily="65" charset="-120"/>
-              </a:rPr>
-              <a:t>.</a:t>
+              <a:t>2.</a:t>
             </a:r>
             <a:r>
               <a:rPr lang="zh-TW" altLang="en-US" dirty="0" smtClean="0">
@@ -4823,10 +4789,6 @@
               </a:rPr>
               <a:t>)</a:t>
             </a:r>
-            <a:endParaRPr lang="en-US" altLang="zh-TW" dirty="0" smtClean="0">
-              <a:latin typeface="標楷體" panose="03000509000000000000" pitchFamily="65" charset="-120"/>
-              <a:ea typeface="標楷體" panose="03000509000000000000" pitchFamily="65" charset="-120"/>
-            </a:endParaRPr>
           </a:p>
           <a:p>
             <a:pPr lvl="1"/>
@@ -4858,10 +4820,6 @@
               </a:rPr>
               <a:t>GitHub</a:t>
             </a:r>
-            <a:endParaRPr lang="en-US" altLang="zh-TW" dirty="0" smtClean="0">
-              <a:latin typeface="標楷體" panose="03000509000000000000" pitchFamily="65" charset="-120"/>
-              <a:ea typeface="標楷體" panose="03000509000000000000" pitchFamily="65" charset="-120"/>
-            </a:endParaRPr>
           </a:p>
           <a:p>
             <a:pPr lvl="1"/>
@@ -4919,128 +4877,107 @@
                 <a:latin typeface="標楷體" panose="03000509000000000000" pitchFamily="65" charset="-120"/>
                 <a:ea typeface="標楷體" panose="03000509000000000000" pitchFamily="65" charset="-120"/>
               </a:rPr>
-              <a:t>週</a:t>
-            </a:r>
+              <a:t>週繳交 </a:t>
+            </a:r>
+            <a:r>
+              <a:rPr lang="en-US" altLang="zh-TW" dirty="0" smtClean="0">
+                <a:solidFill>
+                  <a:srgbClr val="0000FF"/>
+                </a:solidFill>
+                <a:latin typeface="標楷體" panose="03000509000000000000" pitchFamily="65" charset="-120"/>
+                <a:ea typeface="標楷體" panose="03000509000000000000" pitchFamily="65" charset="-120"/>
+              </a:rPr>
+              <a:t>(Midterm Exam)</a:t>
+            </a:r>
+          </a:p>
+          <a:p>
+            <a:pPr lvl="1"/>
             <a:r>
               <a:rPr lang="zh-TW" altLang="en-US" dirty="0" smtClean="0">
-                <a:solidFill>
-                  <a:srgbClr val="0000FF"/>
-                </a:solidFill>
-                <a:latin typeface="標楷體" panose="03000509000000000000" pitchFamily="65" charset="-120"/>
-                <a:ea typeface="標楷體" panose="03000509000000000000" pitchFamily="65" charset="-120"/>
-              </a:rPr>
-              <a:t>繳交 </a:t>
+                <a:latin typeface="標楷體" panose="03000509000000000000" pitchFamily="65" charset="-120"/>
+                <a:ea typeface="標楷體" panose="03000509000000000000" pitchFamily="65" charset="-120"/>
+              </a:rPr>
+              <a:t>資料庫結構設計</a:t>
             </a:r>
             <a:r>
               <a:rPr lang="en-US" altLang="zh-TW" dirty="0" smtClean="0">
-                <a:solidFill>
-                  <a:srgbClr val="0000FF"/>
-                </a:solidFill>
-                <a:latin typeface="標楷體" panose="03000509000000000000" pitchFamily="65" charset="-120"/>
-                <a:ea typeface="標楷體" panose="03000509000000000000" pitchFamily="65" charset="-120"/>
-              </a:rPr>
-              <a:t>(Midterm Exam)</a:t>
+                <a:latin typeface="標楷體" panose="03000509000000000000" pitchFamily="65" charset="-120"/>
+                <a:ea typeface="標楷體" panose="03000509000000000000" pitchFamily="65" charset="-120"/>
+              </a:rPr>
+              <a:t>Database schema design</a:t>
+            </a:r>
+            <a:r>
+              <a:rPr lang="zh-TW" altLang="en-US" dirty="0" smtClean="0">
+                <a:latin typeface="標楷體" panose="03000509000000000000" pitchFamily="65" charset="-120"/>
+                <a:ea typeface="標楷體" panose="03000509000000000000" pitchFamily="65" charset="-120"/>
+              </a:rPr>
+              <a:t>及</a:t>
+            </a:r>
+            <a:r>
+              <a:rPr lang="en-US" altLang="zh-TW" dirty="0" smtClean="0">
+                <a:latin typeface="標楷體" panose="03000509000000000000" pitchFamily="65" charset="-120"/>
+                <a:ea typeface="標楷體" panose="03000509000000000000" pitchFamily="65" charset="-120"/>
+              </a:rPr>
+              <a:t>UI</a:t>
+            </a:r>
+            <a:r>
+              <a:rPr lang="zh-TW" altLang="en-US" dirty="0" smtClean="0">
+                <a:latin typeface="標楷體" panose="03000509000000000000" pitchFamily="65" charset="-120"/>
+                <a:ea typeface="標楷體" panose="03000509000000000000" pitchFamily="65" charset="-120"/>
+              </a:rPr>
+              <a:t>設計</a:t>
+            </a:r>
+            <a:r>
+              <a:rPr lang="en-US" altLang="zh-TW" dirty="0" smtClean="0">
+                <a:latin typeface="標楷體" panose="03000509000000000000" pitchFamily="65" charset="-120"/>
+                <a:ea typeface="標楷體" panose="03000509000000000000" pitchFamily="65" charset="-120"/>
+              </a:rPr>
+              <a:t>(</a:t>
+            </a:r>
+            <a:r>
+              <a:rPr lang="zh-TW" altLang="en-US" dirty="0" smtClean="0">
+                <a:latin typeface="標楷體" panose="03000509000000000000" pitchFamily="65" charset="-120"/>
+                <a:ea typeface="標楷體" panose="03000509000000000000" pitchFamily="65" charset="-120"/>
+              </a:rPr>
+              <a:t>十分鐘</a:t>
+            </a:r>
+            <a:r>
+              <a:rPr lang="en-US" altLang="zh-TW" dirty="0" smtClean="0">
+                <a:latin typeface="標楷體" panose="03000509000000000000" pitchFamily="65" charset="-120"/>
+                <a:ea typeface="標楷體" panose="03000509000000000000" pitchFamily="65" charset="-120"/>
+              </a:rPr>
+              <a:t>Demo</a:t>
+            </a:r>
+            <a:r>
+              <a:rPr lang="zh-TW" altLang="en-US" dirty="0" smtClean="0">
+                <a:latin typeface="標楷體" panose="03000509000000000000" pitchFamily="65" charset="-120"/>
+                <a:ea typeface="標楷體" panose="03000509000000000000" pitchFamily="65" charset="-120"/>
+              </a:rPr>
+              <a:t>說明</a:t>
+            </a:r>
+            <a:r>
+              <a:rPr lang="en-US" altLang="zh-TW" dirty="0" smtClean="0">
+                <a:latin typeface="標楷體" panose="03000509000000000000" pitchFamily="65" charset="-120"/>
+                <a:ea typeface="標楷體" panose="03000509000000000000" pitchFamily="65" charset="-120"/>
+              </a:rPr>
+              <a:t>)</a:t>
             </a:r>
           </a:p>
           <a:p>
             <a:pPr lvl="1"/>
             <a:r>
+              <a:rPr lang="en-US" altLang="zh-TW" dirty="0" smtClean="0">
+                <a:latin typeface="標楷體" panose="03000509000000000000" pitchFamily="65" charset="-120"/>
+                <a:ea typeface="標楷體" panose="03000509000000000000" pitchFamily="65" charset="-120"/>
+              </a:rPr>
+              <a:t>1~3</a:t>
+            </a:r>
+            <a:r>
               <a:rPr lang="zh-TW" altLang="en-US" dirty="0" smtClean="0">
                 <a:latin typeface="標楷體" panose="03000509000000000000" pitchFamily="65" charset="-120"/>
                 <a:ea typeface="標楷體" panose="03000509000000000000" pitchFamily="65" charset="-120"/>
               </a:rPr>
-              <a:t>資料庫結構設計</a:t>
-            </a:r>
-            <a:r>
-              <a:rPr lang="en-US" altLang="zh-TW" dirty="0" smtClean="0">
-                <a:latin typeface="標楷體" panose="03000509000000000000" pitchFamily="65" charset="-120"/>
-                <a:ea typeface="標楷體" panose="03000509000000000000" pitchFamily="65" charset="-120"/>
-              </a:rPr>
-              <a:t>Database schema design</a:t>
-            </a:r>
-            <a:r>
-              <a:rPr lang="zh-TW" altLang="en-US" dirty="0" smtClean="0">
-                <a:latin typeface="標楷體" panose="03000509000000000000" pitchFamily="65" charset="-120"/>
-                <a:ea typeface="標楷體" panose="03000509000000000000" pitchFamily="65" charset="-120"/>
-              </a:rPr>
-              <a:t>及</a:t>
-            </a:r>
-            <a:r>
-              <a:rPr lang="en-US" altLang="zh-TW" dirty="0" smtClean="0">
-                <a:latin typeface="標楷體" panose="03000509000000000000" pitchFamily="65" charset="-120"/>
-                <a:ea typeface="標楷體" panose="03000509000000000000" pitchFamily="65" charset="-120"/>
-              </a:rPr>
-              <a:t>UI</a:t>
-            </a:r>
-            <a:r>
-              <a:rPr lang="zh-TW" altLang="en-US" dirty="0" smtClean="0">
-                <a:latin typeface="標楷體" panose="03000509000000000000" pitchFamily="65" charset="-120"/>
-                <a:ea typeface="標楷體" panose="03000509000000000000" pitchFamily="65" charset="-120"/>
-              </a:rPr>
-              <a:t>設計</a:t>
-            </a:r>
-            <a:r>
-              <a:rPr lang="en-US" altLang="zh-TW" dirty="0" smtClean="0">
-                <a:latin typeface="標楷體" panose="03000509000000000000" pitchFamily="65" charset="-120"/>
-                <a:ea typeface="標楷體" panose="03000509000000000000" pitchFamily="65" charset="-120"/>
-              </a:rPr>
-              <a:t>(</a:t>
-            </a:r>
-            <a:r>
-              <a:rPr lang="zh-TW" altLang="en-US" dirty="0" smtClean="0">
-                <a:latin typeface="標楷體" panose="03000509000000000000" pitchFamily="65" charset="-120"/>
-                <a:ea typeface="標楷體" panose="03000509000000000000" pitchFamily="65" charset="-120"/>
-              </a:rPr>
-              <a:t>十分鐘</a:t>
-            </a:r>
-            <a:r>
-              <a:rPr lang="en-US" altLang="zh-TW" dirty="0" smtClean="0">
-                <a:latin typeface="標楷體" panose="03000509000000000000" pitchFamily="65" charset="-120"/>
-                <a:ea typeface="標楷體" panose="03000509000000000000" pitchFamily="65" charset="-120"/>
-              </a:rPr>
-              <a:t>Demo</a:t>
-            </a:r>
-            <a:r>
-              <a:rPr lang="zh-TW" altLang="en-US" dirty="0" smtClean="0">
-                <a:latin typeface="標楷體" panose="03000509000000000000" pitchFamily="65" charset="-120"/>
-                <a:ea typeface="標楷體" panose="03000509000000000000" pitchFamily="65" charset="-120"/>
-              </a:rPr>
-              <a:t>說明</a:t>
-            </a:r>
-            <a:r>
-              <a:rPr lang="en-US" altLang="zh-TW" dirty="0" smtClean="0">
-                <a:latin typeface="標楷體" panose="03000509000000000000" pitchFamily="65" charset="-120"/>
-                <a:ea typeface="標楷體" panose="03000509000000000000" pitchFamily="65" charset="-120"/>
-              </a:rPr>
-              <a:t>)</a:t>
-            </a:r>
-            <a:endParaRPr lang="en-US" altLang="zh-TW" dirty="0" smtClean="0">
-              <a:latin typeface="標楷體" panose="03000509000000000000" pitchFamily="65" charset="-120"/>
-              <a:ea typeface="標楷體" panose="03000509000000000000" pitchFamily="65" charset="-120"/>
-            </a:endParaRPr>
-          </a:p>
-          <a:p>
-            <a:pPr lvl="1"/>
-            <a:r>
-              <a:rPr lang="en-US" altLang="zh-TW" dirty="0" smtClean="0">
-                <a:latin typeface="標楷體" panose="03000509000000000000" pitchFamily="65" charset="-120"/>
-                <a:ea typeface="標楷體" panose="03000509000000000000" pitchFamily="65" charset="-120"/>
-              </a:rPr>
-              <a:t>1~3</a:t>
-            </a:r>
-            <a:r>
-              <a:rPr lang="zh-TW" altLang="en-US" dirty="0" smtClean="0">
-                <a:latin typeface="標楷體" panose="03000509000000000000" pitchFamily="65" charset="-120"/>
-                <a:ea typeface="標楷體" panose="03000509000000000000" pitchFamily="65" charset="-120"/>
-              </a:rPr>
-              <a:t>人一組</a:t>
-            </a:r>
-            <a:r>
-              <a:rPr lang="zh-TW" altLang="en-US" dirty="0" smtClean="0">
-                <a:latin typeface="標楷體" panose="03000509000000000000" pitchFamily="65" charset="-120"/>
-                <a:ea typeface="標楷體" panose="03000509000000000000" pitchFamily="65" charset="-120"/>
-              </a:rPr>
-              <a:t>，任選一個子系統</a:t>
+              <a:t>人一組，任選一個子系統</a:t>
             </a:r>
             <a:endParaRPr lang="en-US" altLang="zh-TW" dirty="0" smtClean="0">
               <a:latin typeface="標楷體" panose="03000509000000000000" pitchFamily="65" charset="-120"/>

--- a/第一週_1.課堂規定_評量標準_及課程方向.pptx
+++ b/第一週_1.課堂規定_評量標準_及課程方向.pptx
@@ -201,7 +201,7 @@
           <a:p>
             <a:fld id="{31A8676C-D457-4A0B-9C91-83939419494E}" type="datetimeFigureOut">
               <a:rPr lang="zh-TW" altLang="en-US" smtClean="0"/>
-              <a:t>2026/2/18</a:t>
+              <a:t>2026/2/19</a:t>
             </a:fld>
             <a:endParaRPr lang="zh-TW" altLang="en-US"/>
           </a:p>
@@ -689,7 +689,7 @@
           <a:p>
             <a:fld id="{6930F9A4-4469-4216-8732-74830AAB3356}" type="datetimeFigureOut">
               <a:rPr lang="zh-TW" altLang="en-US" smtClean="0"/>
-              <a:t>2026/2/18</a:t>
+              <a:t>2026/2/19</a:t>
             </a:fld>
             <a:endParaRPr lang="zh-TW" altLang="en-US"/>
           </a:p>
@@ -859,7 +859,7 @@
           <a:p>
             <a:fld id="{6930F9A4-4469-4216-8732-74830AAB3356}" type="datetimeFigureOut">
               <a:rPr lang="zh-TW" altLang="en-US" smtClean="0"/>
-              <a:t>2026/2/18</a:t>
+              <a:t>2026/2/19</a:t>
             </a:fld>
             <a:endParaRPr lang="zh-TW" altLang="en-US"/>
           </a:p>
@@ -1039,7 +1039,7 @@
           <a:p>
             <a:fld id="{6930F9A4-4469-4216-8732-74830AAB3356}" type="datetimeFigureOut">
               <a:rPr lang="zh-TW" altLang="en-US" smtClean="0"/>
-              <a:t>2026/2/18</a:t>
+              <a:t>2026/2/19</a:t>
             </a:fld>
             <a:endParaRPr lang="zh-TW" altLang="en-US"/>
           </a:p>
@@ -1209,7 +1209,7 @@
           <a:p>
             <a:fld id="{6930F9A4-4469-4216-8732-74830AAB3356}" type="datetimeFigureOut">
               <a:rPr lang="zh-TW" altLang="en-US" smtClean="0"/>
-              <a:t>2026/2/18</a:t>
+              <a:t>2026/2/19</a:t>
             </a:fld>
             <a:endParaRPr lang="zh-TW" altLang="en-US"/>
           </a:p>
@@ -1455,7 +1455,7 @@
           <a:p>
             <a:fld id="{6930F9A4-4469-4216-8732-74830AAB3356}" type="datetimeFigureOut">
               <a:rPr lang="zh-TW" altLang="en-US" smtClean="0"/>
-              <a:t>2026/2/18</a:t>
+              <a:t>2026/2/19</a:t>
             </a:fld>
             <a:endParaRPr lang="zh-TW" altLang="en-US"/>
           </a:p>
@@ -1687,7 +1687,7 @@
           <a:p>
             <a:fld id="{6930F9A4-4469-4216-8732-74830AAB3356}" type="datetimeFigureOut">
               <a:rPr lang="zh-TW" altLang="en-US" smtClean="0"/>
-              <a:t>2026/2/18</a:t>
+              <a:t>2026/2/19</a:t>
             </a:fld>
             <a:endParaRPr lang="zh-TW" altLang="en-US"/>
           </a:p>
@@ -2054,7 +2054,7 @@
           <a:p>
             <a:fld id="{6930F9A4-4469-4216-8732-74830AAB3356}" type="datetimeFigureOut">
               <a:rPr lang="zh-TW" altLang="en-US" smtClean="0"/>
-              <a:t>2026/2/18</a:t>
+              <a:t>2026/2/19</a:t>
             </a:fld>
             <a:endParaRPr lang="zh-TW" altLang="en-US"/>
           </a:p>
@@ -2172,7 +2172,7 @@
           <a:p>
             <a:fld id="{6930F9A4-4469-4216-8732-74830AAB3356}" type="datetimeFigureOut">
               <a:rPr lang="zh-TW" altLang="en-US" smtClean="0"/>
-              <a:t>2026/2/18</a:t>
+              <a:t>2026/2/19</a:t>
             </a:fld>
             <a:endParaRPr lang="zh-TW" altLang="en-US"/>
           </a:p>
@@ -2267,7 +2267,7 @@
           <a:p>
             <a:fld id="{6930F9A4-4469-4216-8732-74830AAB3356}" type="datetimeFigureOut">
               <a:rPr lang="zh-TW" altLang="en-US" smtClean="0"/>
-              <a:t>2026/2/18</a:t>
+              <a:t>2026/2/19</a:t>
             </a:fld>
             <a:endParaRPr lang="zh-TW" altLang="en-US"/>
           </a:p>
@@ -2544,7 +2544,7 @@
           <a:p>
             <a:fld id="{6930F9A4-4469-4216-8732-74830AAB3356}" type="datetimeFigureOut">
               <a:rPr lang="zh-TW" altLang="en-US" smtClean="0"/>
-              <a:t>2026/2/18</a:t>
+              <a:t>2026/2/19</a:t>
             </a:fld>
             <a:endParaRPr lang="zh-TW" altLang="en-US"/>
           </a:p>
@@ -2797,7 +2797,7 @@
           <a:p>
             <a:fld id="{6930F9A4-4469-4216-8732-74830AAB3356}" type="datetimeFigureOut">
               <a:rPr lang="zh-TW" altLang="en-US" smtClean="0"/>
-              <a:t>2026/2/18</a:t>
+              <a:t>2026/2/19</a:t>
             </a:fld>
             <a:endParaRPr lang="zh-TW" altLang="en-US"/>
           </a:p>
@@ -3010,7 +3010,7 @@
           <a:p>
             <a:fld id="{6930F9A4-4469-4216-8732-74830AAB3356}" type="datetimeFigureOut">
               <a:rPr lang="zh-TW" altLang="en-US" smtClean="0"/>
-              <a:t>2026/2/18</a:t>
+              <a:t>2026/2/19</a:t>
             </a:fld>
             <a:endParaRPr lang="zh-TW" altLang="en-US"/>
           </a:p>
@@ -4718,14 +4718,14 @@
               <a:t>第</a:t>
             </a:r>
             <a:r>
-              <a:rPr lang="en-US" altLang="zh-TW" dirty="0" smtClean="0">
+              <a:rPr lang="en-US" altLang="zh-TW" dirty="0">
                 <a:solidFill>
                   <a:srgbClr val="0000FF"/>
                 </a:solidFill>
                 <a:latin typeface="標楷體" panose="03000509000000000000" pitchFamily="65" charset="-120"/>
                 <a:ea typeface="標楷體" panose="03000509000000000000" pitchFamily="65" charset="-120"/>
               </a:rPr>
-              <a:t>4</a:t>
+              <a:t>3</a:t>
             </a:r>
             <a:r>
               <a:rPr lang="zh-TW" altLang="en-US" dirty="0" smtClean="0">
@@ -4735,7 +4735,17 @@
                 <a:latin typeface="標楷體" panose="03000509000000000000" pitchFamily="65" charset="-120"/>
                 <a:ea typeface="標楷體" panose="03000509000000000000" pitchFamily="65" charset="-120"/>
               </a:rPr>
-              <a:t>週上課前</a:t>
+              <a:t>週</a:t>
+            </a:r>
+            <a:r>
+              <a:rPr lang="zh-TW" altLang="en-US" dirty="0" smtClean="0">
+                <a:solidFill>
+                  <a:srgbClr val="0000FF"/>
+                </a:solidFill>
+                <a:latin typeface="標楷體" panose="03000509000000000000" pitchFamily="65" charset="-120"/>
+                <a:ea typeface="標楷體" panose="03000509000000000000" pitchFamily="65" charset="-120"/>
+              </a:rPr>
+              <a:t>上課前</a:t>
             </a:r>
             <a:endParaRPr lang="en-US" altLang="zh-TW" dirty="0" smtClean="0">
               <a:solidFill>
@@ -4801,10 +4811,20 @@
             </a:r>
             <a:r>
               <a:rPr lang="en-US" altLang="zh-TW" dirty="0" smtClean="0">
-                <a:latin typeface="標楷體" panose="03000509000000000000" pitchFamily="65" charset="-120"/>
-                <a:ea typeface="標楷體" panose="03000509000000000000" pitchFamily="65" charset="-120"/>
-              </a:rPr>
-              <a:t>Markdown </a:t>
+                <a:solidFill>
+                  <a:srgbClr val="FF0000"/>
+                </a:solidFill>
+                <a:latin typeface="標楷體" panose="03000509000000000000" pitchFamily="65" charset="-120"/>
+                <a:ea typeface="標楷體" panose="03000509000000000000" pitchFamily="65" charset="-120"/>
+              </a:rPr>
+              <a:t>Markdown</a:t>
+            </a:r>
+            <a:r>
+              <a:rPr lang="en-US" altLang="zh-TW" dirty="0" smtClean="0">
+                <a:latin typeface="標楷體" panose="03000509000000000000" pitchFamily="65" charset="-120"/>
+                <a:ea typeface="標楷體" panose="03000509000000000000" pitchFamily="65" charset="-120"/>
+              </a:rPr>
+              <a:t> </a:t>
             </a:r>
             <a:r>
               <a:rPr lang="zh-TW" altLang="en-US" dirty="0" smtClean="0">
@@ -4894,17 +4914,44 @@
             <a:pPr lvl="1"/>
             <a:r>
               <a:rPr lang="zh-TW" altLang="en-US" dirty="0" smtClean="0">
-                <a:latin typeface="標楷體" panose="03000509000000000000" pitchFamily="65" charset="-120"/>
-                <a:ea typeface="標楷體" panose="03000509000000000000" pitchFamily="65" charset="-120"/>
-              </a:rPr>
-              <a:t>資料庫結構設計</a:t>
+                <a:solidFill>
+                  <a:srgbClr val="FF0000"/>
+                </a:solidFill>
+                <a:latin typeface="標楷體" panose="03000509000000000000" pitchFamily="65" charset="-120"/>
+                <a:ea typeface="標楷體" panose="03000509000000000000" pitchFamily="65" charset="-120"/>
+              </a:rPr>
+              <a:t>資料庫結構</a:t>
+            </a:r>
+            <a:r>
+              <a:rPr lang="zh-TW" altLang="en-US" dirty="0" smtClean="0">
+                <a:solidFill>
+                  <a:srgbClr val="FF0000"/>
+                </a:solidFill>
+                <a:latin typeface="標楷體" panose="03000509000000000000" pitchFamily="65" charset="-120"/>
+                <a:ea typeface="標楷體" panose="03000509000000000000" pitchFamily="65" charset="-120"/>
+              </a:rPr>
+              <a:t>設計</a:t>
             </a:r>
             <a:r>
               <a:rPr lang="en-US" altLang="zh-TW" dirty="0" smtClean="0">
                 <a:latin typeface="標楷體" panose="03000509000000000000" pitchFamily="65" charset="-120"/>
                 <a:ea typeface="標楷體" panose="03000509000000000000" pitchFamily="65" charset="-120"/>
               </a:rPr>
-              <a:t>Database schema design</a:t>
+              <a:t>(Database </a:t>
+            </a:r>
+            <a:r>
+              <a:rPr lang="en-US" altLang="zh-TW" dirty="0" smtClean="0">
+                <a:latin typeface="標楷體" panose="03000509000000000000" pitchFamily="65" charset="-120"/>
+                <a:ea typeface="標楷體" panose="03000509000000000000" pitchFamily="65" charset="-120"/>
+              </a:rPr>
+              <a:t>schema </a:t>
+            </a:r>
+            <a:r>
+              <a:rPr lang="en-US" altLang="zh-TW" dirty="0" smtClean="0">
+                <a:latin typeface="標楷體" panose="03000509000000000000" pitchFamily="65" charset="-120"/>
+                <a:ea typeface="標楷體" panose="03000509000000000000" pitchFamily="65" charset="-120"/>
+              </a:rPr>
+              <a:t>design)</a:t>
             </a:r>
             <a:r>
               <a:rPr lang="zh-TW" altLang="en-US" dirty="0" smtClean="0">
@@ -4915,6 +4962,9 @@
             </a:r>
             <a:r>
               <a:rPr lang="en-US" altLang="zh-TW" dirty="0" smtClean="0">
+                <a:solidFill>
+                  <a:srgbClr val="FF0000"/>
+                </a:solidFill>
                 <a:latin typeface="標楷體" panose="03000509000000000000" pitchFamily="65" charset="-120"/>
                 <a:ea typeface="標楷體" panose="03000509000000000000" pitchFamily="65" charset="-120"/>
               </a:rPr>
@@ -4922,6 +4972,9 @@
             </a:r>
             <a:r>
               <a:rPr lang="zh-TW" altLang="en-US" dirty="0" smtClean="0">
+                <a:solidFill>
+                  <a:srgbClr val="FF0000"/>
+                </a:solidFill>
                 <a:latin typeface="標楷體" panose="03000509000000000000" pitchFamily="65" charset="-120"/>
                 <a:ea typeface="標楷體" panose="03000509000000000000" pitchFamily="65" charset="-120"/>
               </a:rPr>
@@ -5586,7 +5639,7 @@
             <a:r>
               <a:rPr lang="zh-TW" altLang="en-US" dirty="0" smtClean="0">
                 <a:solidFill>
-                  <a:srgbClr val="FF0000"/>
+                  <a:srgbClr val="0000FF"/>
                 </a:solidFill>
                 <a:latin typeface="標楷體" panose="03000509000000000000" pitchFamily="65" charset="-120"/>
                 <a:ea typeface="標楷體" panose="03000509000000000000" pitchFamily="65" charset="-120"/>
@@ -5596,7 +5649,7 @@
             <a:r>
               <a:rPr lang="en-US" altLang="zh-TW" dirty="0" smtClean="0">
                 <a:solidFill>
-                  <a:srgbClr val="FF0000"/>
+                  <a:srgbClr val="0000FF"/>
                 </a:solidFill>
                 <a:latin typeface="標楷體" panose="03000509000000000000" pitchFamily="65" charset="-120"/>
                 <a:ea typeface="標楷體" panose="03000509000000000000" pitchFamily="65" charset="-120"/>
@@ -5606,7 +5659,7 @@
             <a:r>
               <a:rPr lang="zh-TW" altLang="en-US" dirty="0" smtClean="0">
                 <a:solidFill>
-                  <a:srgbClr val="FF0000"/>
+                  <a:srgbClr val="0000FF"/>
                 </a:solidFill>
                 <a:latin typeface="標楷體" panose="03000509000000000000" pitchFamily="65" charset="-120"/>
                 <a:ea typeface="標楷體" panose="03000509000000000000" pitchFamily="65" charset="-120"/>
@@ -5616,7 +5669,7 @@
             <a:r>
               <a:rPr lang="en-US" altLang="zh-TW" dirty="0" smtClean="0">
                 <a:solidFill>
-                  <a:srgbClr val="FF0000"/>
+                  <a:srgbClr val="0000FF"/>
                 </a:solidFill>
                 <a:latin typeface="標楷體" panose="03000509000000000000" pitchFamily="65" charset="-120"/>
                 <a:ea typeface="標楷體" panose="03000509000000000000" pitchFamily="65" charset="-120"/>
@@ -5654,6 +5707,9 @@
             </a:r>
             <a:r>
               <a:rPr lang="en-US" altLang="zh-TW" dirty="0" smtClean="0">
+                <a:solidFill>
+                  <a:srgbClr val="FF0000"/>
+                </a:solidFill>
                 <a:latin typeface="標楷體" panose="03000509000000000000" pitchFamily="65" charset="-120"/>
                 <a:ea typeface="標楷體" panose="03000509000000000000" pitchFamily="65" charset="-120"/>
               </a:rPr>
@@ -5661,6 +5717,9 @@
             </a:r>
             <a:r>
               <a:rPr lang="zh-TW" altLang="en-US" dirty="0" smtClean="0">
+                <a:solidFill>
+                  <a:srgbClr val="FF0000"/>
+                </a:solidFill>
                 <a:latin typeface="標楷體" panose="03000509000000000000" pitchFamily="65" charset="-120"/>
                 <a:ea typeface="標楷體" panose="03000509000000000000" pitchFamily="65" charset="-120"/>
               </a:rPr>
@@ -5668,17 +5727,27 @@
             </a:r>
             <a:r>
               <a:rPr lang="en-US" altLang="zh-TW" dirty="0" smtClean="0">
+                <a:solidFill>
+                  <a:srgbClr val="FF0000"/>
+                </a:solidFill>
                 <a:latin typeface="標楷體" panose="03000509000000000000" pitchFamily="65" charset="-120"/>
                 <a:ea typeface="標楷體" panose="03000509000000000000" pitchFamily="65" charset="-120"/>
               </a:rPr>
               <a:t>(SQL</a:t>
             </a:r>
             <a:r>
-              <a:rPr lang="zh-TW" altLang="en-US" dirty="0" smtClean="0"/>
+              <a:rPr lang="zh-TW" altLang="en-US" dirty="0" smtClean="0">
+                <a:solidFill>
+                  <a:srgbClr val="FF0000"/>
+                </a:solidFill>
+              </a:rPr>
               <a:t> </a:t>
             </a:r>
             <a:r>
               <a:rPr lang="en-US" altLang="zh-TW" dirty="0" smtClean="0">
+                <a:solidFill>
+                  <a:srgbClr val="FF0000"/>
+                </a:solidFill>
                 <a:latin typeface="標楷體" panose="03000509000000000000" pitchFamily="65" charset="-120"/>
                 <a:ea typeface="標楷體" panose="03000509000000000000" pitchFamily="65" charset="-120"/>
               </a:rPr>
@@ -5695,7 +5764,7 @@
             <a:r>
               <a:rPr lang="zh-TW" altLang="en-US" dirty="0" smtClean="0">
                 <a:solidFill>
-                  <a:srgbClr val="FF0000"/>
+                  <a:srgbClr val="0000FF"/>
                 </a:solidFill>
                 <a:latin typeface="標楷體" panose="03000509000000000000" pitchFamily="65" charset="-120"/>
                 <a:ea typeface="標楷體" panose="03000509000000000000" pitchFamily="65" charset="-120"/>
@@ -5705,7 +5774,7 @@
             <a:r>
               <a:rPr lang="en-US" altLang="zh-TW" dirty="0" smtClean="0">
                 <a:solidFill>
-                  <a:srgbClr val="FF0000"/>
+                  <a:srgbClr val="0000FF"/>
                 </a:solidFill>
                 <a:latin typeface="標楷體" panose="03000509000000000000" pitchFamily="65" charset="-120"/>
                 <a:ea typeface="標楷體" panose="03000509000000000000" pitchFamily="65" charset="-120"/>
@@ -5715,7 +5784,7 @@
             <a:r>
               <a:rPr lang="zh-TW" altLang="en-US" dirty="0" smtClean="0">
                 <a:solidFill>
-                  <a:srgbClr val="FF0000"/>
+                  <a:srgbClr val="0000FF"/>
                 </a:solidFill>
                 <a:latin typeface="標楷體" panose="03000509000000000000" pitchFamily="65" charset="-120"/>
                 <a:ea typeface="標楷體" panose="03000509000000000000" pitchFamily="65" charset="-120"/>
@@ -5725,7 +5794,7 @@
             <a:r>
               <a:rPr lang="en-US" altLang="zh-TW" dirty="0" smtClean="0">
                 <a:solidFill>
-                  <a:srgbClr val="FF0000"/>
+                  <a:srgbClr val="0000FF"/>
                 </a:solidFill>
                 <a:latin typeface="標楷體" panose="03000509000000000000" pitchFamily="65" charset="-120"/>
                 <a:ea typeface="標楷體" panose="03000509000000000000" pitchFamily="65" charset="-120"/>
@@ -5734,7 +5803,7 @@
             </a:r>
             <a:endParaRPr lang="en-US" altLang="zh-TW" dirty="0">
               <a:solidFill>
-                <a:srgbClr val="FF0000"/>
+                <a:srgbClr val="0000FF"/>
               </a:solidFill>
               <a:latin typeface="標楷體" panose="03000509000000000000" pitchFamily="65" charset="-120"/>
               <a:ea typeface="標楷體" panose="03000509000000000000" pitchFamily="65" charset="-120"/>

--- a/第一週_1.課堂規定_評量標準_及課程方向.pptx
+++ b/第一週_1.課堂規定_評量標準_及課程方向.pptx
@@ -201,7 +201,7 @@
           <a:p>
             <a:fld id="{31A8676C-D457-4A0B-9C91-83939419494E}" type="datetimeFigureOut">
               <a:rPr lang="zh-TW" altLang="en-US" smtClean="0"/>
-              <a:t>2026/2/19</a:t>
+              <a:t>2026/2/22</a:t>
             </a:fld>
             <a:endParaRPr lang="zh-TW" altLang="en-US"/>
           </a:p>
@@ -689,7 +689,7 @@
           <a:p>
             <a:fld id="{6930F9A4-4469-4216-8732-74830AAB3356}" type="datetimeFigureOut">
               <a:rPr lang="zh-TW" altLang="en-US" smtClean="0"/>
-              <a:t>2026/2/19</a:t>
+              <a:t>2026/2/22</a:t>
             </a:fld>
             <a:endParaRPr lang="zh-TW" altLang="en-US"/>
           </a:p>
@@ -859,7 +859,7 @@
           <a:p>
             <a:fld id="{6930F9A4-4469-4216-8732-74830AAB3356}" type="datetimeFigureOut">
               <a:rPr lang="zh-TW" altLang="en-US" smtClean="0"/>
-              <a:t>2026/2/19</a:t>
+              <a:t>2026/2/22</a:t>
             </a:fld>
             <a:endParaRPr lang="zh-TW" altLang="en-US"/>
           </a:p>
@@ -1039,7 +1039,7 @@
           <a:p>
             <a:fld id="{6930F9A4-4469-4216-8732-74830AAB3356}" type="datetimeFigureOut">
               <a:rPr lang="zh-TW" altLang="en-US" smtClean="0"/>
-              <a:t>2026/2/19</a:t>
+              <a:t>2026/2/22</a:t>
             </a:fld>
             <a:endParaRPr lang="zh-TW" altLang="en-US"/>
           </a:p>
@@ -1209,7 +1209,7 @@
           <a:p>
             <a:fld id="{6930F9A4-4469-4216-8732-74830AAB3356}" type="datetimeFigureOut">
               <a:rPr lang="zh-TW" altLang="en-US" smtClean="0"/>
-              <a:t>2026/2/19</a:t>
+              <a:t>2026/2/22</a:t>
             </a:fld>
             <a:endParaRPr lang="zh-TW" altLang="en-US"/>
           </a:p>
@@ -1455,7 +1455,7 @@
           <a:p>
             <a:fld id="{6930F9A4-4469-4216-8732-74830AAB3356}" type="datetimeFigureOut">
               <a:rPr lang="zh-TW" altLang="en-US" smtClean="0"/>
-              <a:t>2026/2/19</a:t>
+              <a:t>2026/2/22</a:t>
             </a:fld>
             <a:endParaRPr lang="zh-TW" altLang="en-US"/>
           </a:p>
@@ -1687,7 +1687,7 @@
           <a:p>
             <a:fld id="{6930F9A4-4469-4216-8732-74830AAB3356}" type="datetimeFigureOut">
               <a:rPr lang="zh-TW" altLang="en-US" smtClean="0"/>
-              <a:t>2026/2/19</a:t>
+              <a:t>2026/2/22</a:t>
             </a:fld>
             <a:endParaRPr lang="zh-TW" altLang="en-US"/>
           </a:p>
@@ -2054,7 +2054,7 @@
           <a:p>
             <a:fld id="{6930F9A4-4469-4216-8732-74830AAB3356}" type="datetimeFigureOut">
               <a:rPr lang="zh-TW" altLang="en-US" smtClean="0"/>
-              <a:t>2026/2/19</a:t>
+              <a:t>2026/2/22</a:t>
             </a:fld>
             <a:endParaRPr lang="zh-TW" altLang="en-US"/>
           </a:p>
@@ -2172,7 +2172,7 @@
           <a:p>
             <a:fld id="{6930F9A4-4469-4216-8732-74830AAB3356}" type="datetimeFigureOut">
               <a:rPr lang="zh-TW" altLang="en-US" smtClean="0"/>
-              <a:t>2026/2/19</a:t>
+              <a:t>2026/2/22</a:t>
             </a:fld>
             <a:endParaRPr lang="zh-TW" altLang="en-US"/>
           </a:p>
@@ -2267,7 +2267,7 @@
           <a:p>
             <a:fld id="{6930F9A4-4469-4216-8732-74830AAB3356}" type="datetimeFigureOut">
               <a:rPr lang="zh-TW" altLang="en-US" smtClean="0"/>
-              <a:t>2026/2/19</a:t>
+              <a:t>2026/2/22</a:t>
             </a:fld>
             <a:endParaRPr lang="zh-TW" altLang="en-US"/>
           </a:p>
@@ -2544,7 +2544,7 @@
           <a:p>
             <a:fld id="{6930F9A4-4469-4216-8732-74830AAB3356}" type="datetimeFigureOut">
               <a:rPr lang="zh-TW" altLang="en-US" smtClean="0"/>
-              <a:t>2026/2/19</a:t>
+              <a:t>2026/2/22</a:t>
             </a:fld>
             <a:endParaRPr lang="zh-TW" altLang="en-US"/>
           </a:p>
@@ -2797,7 +2797,7 @@
           <a:p>
             <a:fld id="{6930F9A4-4469-4216-8732-74830AAB3356}" type="datetimeFigureOut">
               <a:rPr lang="zh-TW" altLang="en-US" smtClean="0"/>
-              <a:t>2026/2/19</a:t>
+              <a:t>2026/2/22</a:t>
             </a:fld>
             <a:endParaRPr lang="zh-TW" altLang="en-US"/>
           </a:p>
@@ -3010,7 +3010,7 @@
           <a:p>
             <a:fld id="{6930F9A4-4469-4216-8732-74830AAB3356}" type="datetimeFigureOut">
               <a:rPr lang="zh-TW" altLang="en-US" smtClean="0"/>
-              <a:t>2026/2/19</a:t>
+              <a:t>2026/2/22</a:t>
             </a:fld>
             <a:endParaRPr lang="zh-TW" altLang="en-US"/>
           </a:p>
@@ -4625,7 +4625,7 @@
         <p:spPr>
           <a:xfrm>
             <a:off x="854675" y="68562"/>
-            <a:ext cx="10515600" cy="1325563"/>
+            <a:ext cx="10515600" cy="985881"/>
           </a:xfrm>
         </p:spPr>
         <p:txBody>
@@ -4677,13 +4677,13 @@
         </p:nvSpPr>
         <p:spPr>
           <a:xfrm>
-            <a:off x="970627" y="1295271"/>
-            <a:ext cx="10515600" cy="5179670"/>
+            <a:off x="962389" y="1054442"/>
+            <a:ext cx="10515600" cy="5634681"/>
           </a:xfrm>
         </p:spPr>
         <p:txBody>
           <a:bodyPr>
-            <a:normAutofit lnSpcReduction="10000"/>
+            <a:normAutofit/>
           </a:bodyPr>
           <a:lstStyle/>
           <a:p>
@@ -4735,7 +4735,7 @@
                 <a:latin typeface="標楷體" panose="03000509000000000000" pitchFamily="65" charset="-120"/>
                 <a:ea typeface="標楷體" panose="03000509000000000000" pitchFamily="65" charset="-120"/>
               </a:rPr>
-              <a:t>週</a:t>
+              <a:t>週上課</a:t>
             </a:r>
             <a:r>
               <a:rPr lang="zh-TW" altLang="en-US" dirty="0" smtClean="0">
@@ -4745,7 +4745,37 @@
                 <a:latin typeface="標楷體" panose="03000509000000000000" pitchFamily="65" charset="-120"/>
                 <a:ea typeface="標楷體" panose="03000509000000000000" pitchFamily="65" charset="-120"/>
               </a:rPr>
-              <a:t>上課前</a:t>
+              <a:t>前 </a:t>
+            </a:r>
+            <a:r>
+              <a:rPr lang="en-US" altLang="zh-TW" dirty="0" smtClean="0">
+                <a:solidFill>
+                  <a:srgbClr val="0000FF"/>
+                </a:solidFill>
+                <a:latin typeface="標楷體" panose="03000509000000000000" pitchFamily="65" charset="-120"/>
+                <a:ea typeface="標楷體" panose="03000509000000000000" pitchFamily="65" charset="-120"/>
+              </a:rPr>
+              <a:t>(</a:t>
+            </a:r>
+            <a:r>
+              <a:rPr lang="zh-TW" altLang="en-US" dirty="0" smtClean="0">
+                <a:solidFill>
+                  <a:srgbClr val="0000FF"/>
+                </a:solidFill>
+                <a:latin typeface="標楷體" panose="03000509000000000000" pitchFamily="65" charset="-120"/>
+                <a:ea typeface="標楷體" panose="03000509000000000000" pitchFamily="65" charset="-120"/>
+              </a:rPr>
+              <a:t>作業</a:t>
+            </a:r>
+            <a:r>
+              <a:rPr lang="en-US" altLang="zh-TW" dirty="0" smtClean="0">
+                <a:solidFill>
+                  <a:srgbClr val="0000FF"/>
+                </a:solidFill>
+                <a:latin typeface="標楷體" panose="03000509000000000000" pitchFamily="65" charset="-120"/>
+                <a:ea typeface="標楷體" panose="03000509000000000000" pitchFamily="65" charset="-120"/>
+              </a:rPr>
+              <a:t>)</a:t>
             </a:r>
             <a:endParaRPr lang="en-US" altLang="zh-TW" dirty="0" smtClean="0">
               <a:solidFill>
@@ -4840,9 +4870,6 @@
               </a:rPr>
               <a:t>GitHub</a:t>
             </a:r>
-          </a:p>
-          <a:p>
-            <a:pPr lvl="1"/>
             <a:endParaRPr lang="zh-TW" altLang="en-US" dirty="0">
               <a:latin typeface="標楷體" panose="03000509000000000000" pitchFamily="65" charset="-120"/>
               <a:ea typeface="標楷體" panose="03000509000000000000" pitchFamily="65" charset="-120"/>
@@ -4920,16 +4947,40 @@
                 <a:latin typeface="標楷體" panose="03000509000000000000" pitchFamily="65" charset="-120"/>
                 <a:ea typeface="標楷體" panose="03000509000000000000" pitchFamily="65" charset="-120"/>
               </a:rPr>
-              <a:t>資料庫結構</a:t>
-            </a:r>
-            <a:r>
-              <a:rPr lang="zh-TW" altLang="en-US" dirty="0" smtClean="0">
+              <a:t>資料庫結構設計</a:t>
+            </a:r>
+            <a:r>
+              <a:rPr lang="en-US" altLang="zh-TW" dirty="0" smtClean="0">
+                <a:latin typeface="標楷體" panose="03000509000000000000" pitchFamily="65" charset="-120"/>
+                <a:ea typeface="標楷體" panose="03000509000000000000" pitchFamily="65" charset="-120"/>
+              </a:rPr>
+              <a:t>(Database schema design)</a:t>
+            </a:r>
+            <a:r>
+              <a:rPr lang="zh-TW" altLang="en-US" dirty="0" smtClean="0">
+                <a:latin typeface="標楷體" panose="03000509000000000000" pitchFamily="65" charset="-120"/>
+                <a:ea typeface="標楷體" panose="03000509000000000000" pitchFamily="65" charset="-120"/>
+              </a:rPr>
+              <a:t>及</a:t>
+            </a:r>
+            <a:r>
+              <a:rPr lang="en-US" altLang="zh-TW" dirty="0" smtClean="0">
                 <a:solidFill>
                   <a:srgbClr val="FF0000"/>
                 </a:solidFill>
                 <a:latin typeface="標楷體" panose="03000509000000000000" pitchFamily="65" charset="-120"/>
                 <a:ea typeface="標楷體" panose="03000509000000000000" pitchFamily="65" charset="-120"/>
               </a:rPr>
+              <a:t>UI</a:t>
+            </a:r>
+            <a:r>
+              <a:rPr lang="zh-TW" altLang="en-US" dirty="0" smtClean="0">
+                <a:solidFill>
+                  <a:srgbClr val="FF0000"/>
+                </a:solidFill>
+                <a:latin typeface="標楷體" panose="03000509000000000000" pitchFamily="65" charset="-120"/>
+                <a:ea typeface="標楷體" panose="03000509000000000000" pitchFamily="65" charset="-120"/>
+              </a:rPr>
               <a:t>設計</a:t>
             </a:r>
             <a:r>
@@ -4937,100 +4988,87 @@
                 <a:latin typeface="標楷體" panose="03000509000000000000" pitchFamily="65" charset="-120"/>
                 <a:ea typeface="標楷體" panose="03000509000000000000" pitchFamily="65" charset="-120"/>
               </a:rPr>
-              <a:t>(Database </a:t>
+              <a:t>(</a:t>
+            </a:r>
+            <a:r>
+              <a:rPr lang="zh-TW" altLang="en-US" dirty="0" smtClean="0">
+                <a:latin typeface="標楷體" panose="03000509000000000000" pitchFamily="65" charset="-120"/>
+                <a:ea typeface="標楷體" panose="03000509000000000000" pitchFamily="65" charset="-120"/>
+              </a:rPr>
+              <a:t>十分鐘</a:t>
             </a:r>
             <a:r>
               <a:rPr lang="en-US" altLang="zh-TW" dirty="0" smtClean="0">
                 <a:latin typeface="標楷體" panose="03000509000000000000" pitchFamily="65" charset="-120"/>
                 <a:ea typeface="標楷體" panose="03000509000000000000" pitchFamily="65" charset="-120"/>
               </a:rPr>
-              <a:t>schema </a:t>
+              <a:t>Demo</a:t>
+            </a:r>
+            <a:r>
+              <a:rPr lang="zh-TW" altLang="en-US" dirty="0" smtClean="0">
+                <a:latin typeface="標楷體" panose="03000509000000000000" pitchFamily="65" charset="-120"/>
+                <a:ea typeface="標楷體" panose="03000509000000000000" pitchFamily="65" charset="-120"/>
+              </a:rPr>
+              <a:t>說明</a:t>
             </a:r>
             <a:r>
               <a:rPr lang="en-US" altLang="zh-TW" dirty="0" smtClean="0">
                 <a:latin typeface="標楷體" panose="03000509000000000000" pitchFamily="65" charset="-120"/>
                 <a:ea typeface="標楷體" panose="03000509000000000000" pitchFamily="65" charset="-120"/>
               </a:rPr>
-              <a:t>design)</a:t>
-            </a:r>
-            <a:r>
-              <a:rPr lang="zh-TW" altLang="en-US" dirty="0" smtClean="0">
-                <a:latin typeface="標楷體" panose="03000509000000000000" pitchFamily="65" charset="-120"/>
-                <a:ea typeface="標楷體" panose="03000509000000000000" pitchFamily="65" charset="-120"/>
-              </a:rPr>
-              <a:t>及</a:t>
-            </a:r>
+              <a:t>)</a:t>
+            </a:r>
+          </a:p>
+          <a:p>
+            <a:pPr lvl="1"/>
             <a:r>
               <a:rPr lang="en-US" altLang="zh-TW" dirty="0" smtClean="0">
-                <a:solidFill>
-                  <a:srgbClr val="FF0000"/>
-                </a:solidFill>
-                <a:latin typeface="標楷體" panose="03000509000000000000" pitchFamily="65" charset="-120"/>
-                <a:ea typeface="標楷體" panose="03000509000000000000" pitchFamily="65" charset="-120"/>
-              </a:rPr>
-              <a:t>UI</a:t>
-            </a:r>
-            <a:r>
-              <a:rPr lang="zh-TW" altLang="en-US" dirty="0" smtClean="0">
-                <a:solidFill>
-                  <a:srgbClr val="FF0000"/>
-                </a:solidFill>
-                <a:latin typeface="標楷體" panose="03000509000000000000" pitchFamily="65" charset="-120"/>
-                <a:ea typeface="標楷體" panose="03000509000000000000" pitchFamily="65" charset="-120"/>
-              </a:rPr>
-              <a:t>設計</a:t>
-            </a:r>
-            <a:r>
-              <a:rPr lang="en-US" altLang="zh-TW" dirty="0" smtClean="0">
-                <a:latin typeface="標楷體" panose="03000509000000000000" pitchFamily="65" charset="-120"/>
-                <a:ea typeface="標楷體" panose="03000509000000000000" pitchFamily="65" charset="-120"/>
-              </a:rPr>
-              <a:t>(</a:t>
-            </a:r>
-            <a:r>
-              <a:rPr lang="zh-TW" altLang="en-US" dirty="0" smtClean="0">
-                <a:latin typeface="標楷體" panose="03000509000000000000" pitchFamily="65" charset="-120"/>
-                <a:ea typeface="標楷體" panose="03000509000000000000" pitchFamily="65" charset="-120"/>
-              </a:rPr>
-              <a:t>十分鐘</a:t>
-            </a:r>
-            <a:r>
-              <a:rPr lang="en-US" altLang="zh-TW" dirty="0" smtClean="0">
-                <a:latin typeface="標楷體" panose="03000509000000000000" pitchFamily="65" charset="-120"/>
-                <a:ea typeface="標楷體" panose="03000509000000000000" pitchFamily="65" charset="-120"/>
-              </a:rPr>
-              <a:t>Demo</a:t>
-            </a:r>
-            <a:r>
-              <a:rPr lang="zh-TW" altLang="en-US" dirty="0" smtClean="0">
-                <a:latin typeface="標楷體" panose="03000509000000000000" pitchFamily="65" charset="-120"/>
-                <a:ea typeface="標楷體" panose="03000509000000000000" pitchFamily="65" charset="-120"/>
-              </a:rPr>
-              <a:t>說明</a:t>
-            </a:r>
-            <a:r>
-              <a:rPr lang="en-US" altLang="zh-TW" dirty="0" smtClean="0">
-                <a:latin typeface="標楷體" panose="03000509000000000000" pitchFamily="65" charset="-120"/>
-                <a:ea typeface="標楷體" panose="03000509000000000000" pitchFamily="65" charset="-120"/>
-              </a:rPr>
-              <a:t>)</a:t>
-            </a:r>
-          </a:p>
-          <a:p>
-            <a:pPr lvl="1"/>
-            <a:r>
-              <a:rPr lang="en-US" altLang="zh-TW" dirty="0" smtClean="0">
-                <a:latin typeface="標楷體" panose="03000509000000000000" pitchFamily="65" charset="-120"/>
-                <a:ea typeface="標楷體" panose="03000509000000000000" pitchFamily="65" charset="-120"/>
-              </a:rPr>
-              <a:t>1~3</a:t>
-            </a:r>
-            <a:r>
-              <a:rPr lang="zh-TW" altLang="en-US" dirty="0" smtClean="0">
-                <a:latin typeface="標楷體" panose="03000509000000000000" pitchFamily="65" charset="-120"/>
-                <a:ea typeface="標楷體" panose="03000509000000000000" pitchFamily="65" charset="-120"/>
-              </a:rPr>
-              <a:t>人一組，任選一個子系統</a:t>
+                <a:latin typeface="標楷體" panose="03000509000000000000" pitchFamily="65" charset="-120"/>
+                <a:ea typeface="標楷體" panose="03000509000000000000" pitchFamily="65" charset="-120"/>
+              </a:rPr>
+              <a:t>3</a:t>
+            </a:r>
+            <a:r>
+              <a:rPr lang="zh-TW" altLang="en-US" dirty="0" smtClean="0">
+                <a:latin typeface="標楷體" panose="03000509000000000000" pitchFamily="65" charset="-120"/>
+                <a:ea typeface="標楷體" panose="03000509000000000000" pitchFamily="65" charset="-120"/>
+              </a:rPr>
+              <a:t>人</a:t>
+            </a:r>
+            <a:r>
+              <a:rPr lang="zh-TW" altLang="en-US" dirty="0" smtClean="0">
+                <a:latin typeface="標楷體" panose="03000509000000000000" pitchFamily="65" charset="-120"/>
+                <a:ea typeface="標楷體" panose="03000509000000000000" pitchFamily="65" charset="-120"/>
+              </a:rPr>
+              <a:t>一組，</a:t>
+            </a:r>
+            <a:r>
+              <a:rPr lang="zh-TW" altLang="en-US" dirty="0" smtClean="0">
+                <a:latin typeface="標楷體" panose="03000509000000000000" pitchFamily="65" charset="-120"/>
+                <a:ea typeface="標楷體" panose="03000509000000000000" pitchFamily="65" charset="-120"/>
+              </a:rPr>
+              <a:t>任選</a:t>
+            </a:r>
+            <a:r>
+              <a:rPr lang="en-US" altLang="zh-TW" dirty="0">
+                <a:latin typeface="標楷體" panose="03000509000000000000" pitchFamily="65" charset="-120"/>
+                <a:ea typeface="標楷體" panose="03000509000000000000" pitchFamily="65" charset="-120"/>
+              </a:rPr>
+              <a:t>(1~3)</a:t>
+            </a:r>
+            <a:r>
+              <a:rPr lang="zh-TW" altLang="en-US" dirty="0" smtClean="0">
+                <a:latin typeface="標楷體" panose="03000509000000000000" pitchFamily="65" charset="-120"/>
+                <a:ea typeface="標楷體" panose="03000509000000000000" pitchFamily="65" charset="-120"/>
+              </a:rPr>
+              <a:t>一個</a:t>
+            </a:r>
+            <a:r>
+              <a:rPr lang="zh-TW" altLang="en-US" dirty="0" smtClean="0">
+                <a:latin typeface="標楷體" panose="03000509000000000000" pitchFamily="65" charset="-120"/>
+                <a:ea typeface="標楷體" panose="03000509000000000000" pitchFamily="65" charset="-120"/>
+              </a:rPr>
+              <a:t>子系統</a:t>
             </a:r>
             <a:endParaRPr lang="en-US" altLang="zh-TW" dirty="0" smtClean="0">
               <a:latin typeface="標楷體" panose="03000509000000000000" pitchFamily="65" charset="-120"/>
@@ -5093,21 +5131,43 @@
                 <a:latin typeface="標楷體" panose="03000509000000000000" pitchFamily="65" charset="-120"/>
                 <a:ea typeface="標楷體" panose="03000509000000000000" pitchFamily="65" charset="-120"/>
               </a:rPr>
+              <a:t>(</a:t>
+            </a:r>
+            <a:r>
+              <a:rPr lang="en-US" altLang="zh-TW" dirty="0">
+                <a:latin typeface="標楷體" panose="03000509000000000000" pitchFamily="65" charset="-120"/>
+                <a:ea typeface="標楷體" panose="03000509000000000000" pitchFamily="65" charset="-120"/>
+              </a:rPr>
               <a:t>4.</a:t>
             </a:r>
             <a:r>
-              <a:rPr lang="zh-TW" altLang="en-US" dirty="0" smtClean="0">
+              <a:rPr lang="zh-TW" altLang="en-US" dirty="0">
+                <a:latin typeface="標楷體" panose="03000509000000000000" pitchFamily="65" charset="-120"/>
+                <a:ea typeface="標楷體" panose="03000509000000000000" pitchFamily="65" charset="-120"/>
+              </a:rPr>
+              <a:t>病歷系統</a:t>
+            </a:r>
+            <a:r>
+              <a:rPr lang="en-US" altLang="zh-TW" dirty="0">
+                <a:latin typeface="標楷體" panose="03000509000000000000" pitchFamily="65" charset="-120"/>
+                <a:ea typeface="標楷體" panose="03000509000000000000" pitchFamily="65" charset="-120"/>
+              </a:rPr>
+              <a:t>, 5.</a:t>
+            </a:r>
+            <a:r>
+              <a:rPr lang="zh-TW" altLang="en-US" dirty="0">
                 <a:latin typeface="標楷體" panose="03000509000000000000" pitchFamily="65" charset="-120"/>
                 <a:ea typeface="標楷體" panose="03000509000000000000" pitchFamily="65" charset="-120"/>
               </a:rPr>
               <a:t>藥師發藥系統</a:t>
             </a:r>
-            <a:endParaRPr lang="en-US" altLang="zh-TW" dirty="0">
-              <a:latin typeface="標楷體" panose="03000509000000000000" pitchFamily="65" charset="-120"/>
-              <a:ea typeface="標楷體" panose="03000509000000000000" pitchFamily="65" charset="-120"/>
-            </a:endParaRPr>
-          </a:p>
-          <a:p>
+            <a:r>
+              <a:rPr lang="en-US" altLang="zh-TW" dirty="0">
+                <a:latin typeface="標楷體" panose="03000509000000000000" pitchFamily="65" charset="-120"/>
+                <a:ea typeface="標楷體" panose="03000509000000000000" pitchFamily="65" charset="-120"/>
+              </a:rPr>
+              <a:t>)</a:t>
+            </a:r>
             <a:endParaRPr lang="en-US" altLang="zh-TW" dirty="0" smtClean="0">
               <a:latin typeface="標楷體" panose="03000509000000000000" pitchFamily="65" charset="-120"/>
               <a:ea typeface="標楷體" panose="03000509000000000000" pitchFamily="65" charset="-120"/>
@@ -5344,6 +5404,60 @@
               <a:t>支援</a:t>
             </a:r>
             <a:endParaRPr lang="en-US" altLang="zh-TW" dirty="0" smtClean="0">
+              <a:latin typeface="標楷體" panose="03000509000000000000" pitchFamily="65" charset="-120"/>
+              <a:ea typeface="標楷體" panose="03000509000000000000" pitchFamily="65" charset="-120"/>
+            </a:endParaRPr>
+          </a:p>
+          <a:p>
+            <a:r>
+              <a:rPr lang="zh-TW" altLang="en-US" dirty="0" smtClean="0">
+                <a:latin typeface="標楷體" panose="03000509000000000000" pitchFamily="65" charset="-120"/>
+                <a:ea typeface="標楷體" panose="03000509000000000000" pitchFamily="65" charset="-120"/>
+              </a:rPr>
+              <a:t>四</a:t>
+            </a:r>
+            <a:r>
+              <a:rPr lang="en-US" altLang="zh-TW" dirty="0" smtClean="0">
+                <a:latin typeface="標楷體" panose="03000509000000000000" pitchFamily="65" charset="-120"/>
+                <a:ea typeface="標楷體" panose="03000509000000000000" pitchFamily="65" charset="-120"/>
+              </a:rPr>
+              <a:t>.</a:t>
+            </a:r>
+            <a:r>
+              <a:rPr lang="zh-TW" altLang="en-US" dirty="0" smtClean="0">
+                <a:latin typeface="標楷體" panose="03000509000000000000" pitchFamily="65" charset="-120"/>
+                <a:ea typeface="標楷體" panose="03000509000000000000" pitchFamily="65" charset="-120"/>
+              </a:rPr>
+              <a:t>小考</a:t>
+            </a:r>
+            <a:r>
+              <a:rPr lang="en-US" altLang="zh-TW" dirty="0" smtClean="0">
+                <a:latin typeface="標楷體" panose="03000509000000000000" pitchFamily="65" charset="-120"/>
+                <a:ea typeface="標楷體" panose="03000509000000000000" pitchFamily="65" charset="-120"/>
+              </a:rPr>
+              <a:t>: </a:t>
+            </a:r>
+            <a:r>
+              <a:rPr lang="en-US" altLang="zh-TW" dirty="0" smtClean="0">
+                <a:latin typeface="標楷體" panose="03000509000000000000" pitchFamily="65" charset="-120"/>
+                <a:ea typeface="標楷體" panose="03000509000000000000" pitchFamily="65" charset="-120"/>
+              </a:rPr>
+              <a:t>MS </a:t>
+            </a:r>
+            <a:r>
+              <a:rPr lang="en-US" altLang="zh-TW" dirty="0" smtClean="0">
+                <a:solidFill>
+                  <a:srgbClr val="FF0000"/>
+                </a:solidFill>
+                <a:latin typeface="標楷體" panose="03000509000000000000" pitchFamily="65" charset="-120"/>
+                <a:ea typeface="標楷體" panose="03000509000000000000" pitchFamily="65" charset="-120"/>
+              </a:rPr>
+              <a:t>SQL Statement</a:t>
+            </a:r>
+            <a:endParaRPr lang="en-US" altLang="zh-TW" dirty="0" smtClean="0">
+              <a:solidFill>
+                <a:srgbClr val="FF0000"/>
+              </a:solidFill>
               <a:latin typeface="標楷體" panose="03000509000000000000" pitchFamily="65" charset="-120"/>
               <a:ea typeface="標楷體" panose="03000509000000000000" pitchFamily="65" charset="-120"/>
             </a:endParaRPr>
@@ -5580,13 +5694,27 @@
                 <a:latin typeface="標楷體" panose="03000509000000000000" pitchFamily="65" charset="-120"/>
                 <a:ea typeface="標楷體" panose="03000509000000000000" pitchFamily="65" charset="-120"/>
               </a:rPr>
-              <a:t>、深入探討四</a:t>
+              <a:t>、深入</a:t>
+            </a:r>
+            <a:r>
+              <a:rPr lang="zh-TW" altLang="en-US" dirty="0" smtClean="0">
+                <a:latin typeface="標楷體" panose="03000509000000000000" pitchFamily="65" charset="-120"/>
+                <a:ea typeface="標楷體" panose="03000509000000000000" pitchFamily="65" charset="-120"/>
+              </a:rPr>
+              <a:t>探討</a:t>
             </a:r>
             <a:r>
               <a:rPr lang="zh-TW" altLang="en-US" dirty="0">
                 <a:latin typeface="標楷體" panose="03000509000000000000" pitchFamily="65" charset="-120"/>
                 <a:ea typeface="標楷體" panose="03000509000000000000" pitchFamily="65" charset="-120"/>
               </a:rPr>
+              <a:t>三</a:t>
+            </a:r>
+            <a:r>
+              <a:rPr lang="zh-TW" altLang="en-US" dirty="0" smtClean="0">
+                <a:latin typeface="標楷體" panose="03000509000000000000" pitchFamily="65" charset="-120"/>
+                <a:ea typeface="標楷體" panose="03000509000000000000" pitchFamily="65" charset="-120"/>
+              </a:rPr>
               <a:t>個子</a:t>
             </a:r>
             <a:r>
@@ -5598,6 +5726,9 @@
             </a:r>
             <a:r>
               <a:rPr lang="en-US" altLang="zh-TW" dirty="0" smtClean="0">
+                <a:solidFill>
+                  <a:srgbClr val="FF0000"/>
+                </a:solidFill>
                 <a:latin typeface="標楷體" panose="03000509000000000000" pitchFamily="65" charset="-120"/>
                 <a:ea typeface="標楷體" panose="03000509000000000000" pitchFamily="65" charset="-120"/>
               </a:rPr>
@@ -5605,6 +5736,9 @@
             </a:r>
             <a:r>
               <a:rPr lang="zh-TW" altLang="en-US" dirty="0" smtClean="0">
+                <a:solidFill>
+                  <a:srgbClr val="FF0000"/>
+                </a:solidFill>
                 <a:latin typeface="標楷體" panose="03000509000000000000" pitchFamily="65" charset="-120"/>
                 <a:ea typeface="標楷體" panose="03000509000000000000" pitchFamily="65" charset="-120"/>
               </a:rPr>
@@ -5612,6 +5746,9 @@
             </a:r>
             <a:r>
               <a:rPr lang="en-US" altLang="zh-TW" dirty="0" smtClean="0">
+                <a:solidFill>
+                  <a:srgbClr val="FF0000"/>
+                </a:solidFill>
                 <a:latin typeface="標楷體" panose="03000509000000000000" pitchFamily="65" charset="-120"/>
                 <a:ea typeface="標楷體" panose="03000509000000000000" pitchFamily="65" charset="-120"/>
               </a:rPr>
@@ -5619,28 +5756,79 @@
             </a:r>
             <a:r>
               <a:rPr lang="zh-TW" altLang="en-US" dirty="0" smtClean="0">
+                <a:solidFill>
+                  <a:srgbClr val="FF0000"/>
+                </a:solidFill>
                 <a:latin typeface="標楷體" panose="03000509000000000000" pitchFamily="65" charset="-120"/>
                 <a:ea typeface="標楷體" panose="03000509000000000000" pitchFamily="65" charset="-120"/>
               </a:rPr>
               <a:t>操作</a:t>
             </a:r>
+            <a:endParaRPr lang="en-US" altLang="zh-TW" dirty="0" smtClean="0">
+              <a:solidFill>
+                <a:srgbClr val="FF0000"/>
+              </a:solidFill>
+              <a:latin typeface="標楷體" panose="03000509000000000000" pitchFamily="65" charset="-120"/>
+              <a:ea typeface="標楷體" panose="03000509000000000000" pitchFamily="65" charset="-120"/>
+            </a:endParaRPr>
+          </a:p>
+          <a:p>
+            <a:endParaRPr lang="en-US" altLang="zh-TW" dirty="0">
+              <a:latin typeface="標楷體" panose="03000509000000000000" pitchFamily="65" charset="-120"/>
+              <a:ea typeface="標楷體" panose="03000509000000000000" pitchFamily="65" charset="-120"/>
+            </a:endParaRPr>
+          </a:p>
+          <a:p>
+            <a:r>
+              <a:rPr lang="zh-TW" altLang="en-US" dirty="0" smtClean="0">
+                <a:solidFill>
+                  <a:srgbClr val="0000FF"/>
+                </a:solidFill>
+                <a:latin typeface="標楷體" panose="03000509000000000000" pitchFamily="65" charset="-120"/>
+                <a:ea typeface="標楷體" panose="03000509000000000000" pitchFamily="65" charset="-120"/>
+              </a:rPr>
+              <a:t>第</a:t>
+            </a:r>
+            <a:r>
+              <a:rPr lang="en-US" altLang="zh-TW" dirty="0" smtClean="0">
+                <a:solidFill>
+                  <a:srgbClr val="0000FF"/>
+                </a:solidFill>
+                <a:latin typeface="標楷體" panose="03000509000000000000" pitchFamily="65" charset="-120"/>
+                <a:ea typeface="標楷體" panose="03000509000000000000" pitchFamily="65" charset="-120"/>
+              </a:rPr>
+              <a:t>9</a:t>
+            </a:r>
+            <a:r>
+              <a:rPr lang="zh-TW" altLang="en-US" dirty="0" smtClean="0">
+                <a:solidFill>
+                  <a:srgbClr val="0000FF"/>
+                </a:solidFill>
+                <a:latin typeface="標楷體" panose="03000509000000000000" pitchFamily="65" charset="-120"/>
+                <a:ea typeface="標楷體" panose="03000509000000000000" pitchFamily="65" charset="-120"/>
+              </a:rPr>
+              <a:t>週：</a:t>
+            </a:r>
+            <a:r>
+              <a:rPr lang="en-US" altLang="zh-TW" dirty="0" smtClean="0">
+                <a:solidFill>
+                  <a:srgbClr val="0000FF"/>
+                </a:solidFill>
+                <a:latin typeface="標楷體" panose="03000509000000000000" pitchFamily="65" charset="-120"/>
+                <a:ea typeface="標楷體" panose="03000509000000000000" pitchFamily="65" charset="-120"/>
+              </a:rPr>
+              <a:t>Midterm Exam</a:t>
+            </a:r>
+          </a:p>
+          <a:p>
             <a:endParaRPr lang="en-US" altLang="zh-TW" dirty="0" smtClean="0">
               <a:latin typeface="標楷體" panose="03000509000000000000" pitchFamily="65" charset="-120"/>
               <a:ea typeface="標楷體" panose="03000509000000000000" pitchFamily="65" charset="-120"/>
             </a:endParaRPr>
           </a:p>
           <a:p>
-            <a:endParaRPr lang="en-US" altLang="zh-TW" dirty="0">
-              <a:latin typeface="標楷體" panose="03000509000000000000" pitchFamily="65" charset="-120"/>
-              <a:ea typeface="標楷體" panose="03000509000000000000" pitchFamily="65" charset="-120"/>
-            </a:endParaRPr>
-          </a:p>
-          <a:p>
-            <a:r>
-              <a:rPr lang="zh-TW" altLang="en-US" dirty="0" smtClean="0">
-                <a:solidFill>
-                  <a:srgbClr val="0000FF"/>
-                </a:solidFill>
+            <a:r>
+              <a:rPr lang="zh-TW" altLang="en-US" dirty="0" smtClean="0">
                 <a:latin typeface="標楷體" panose="03000509000000000000" pitchFamily="65" charset="-120"/>
                 <a:ea typeface="標楷體" panose="03000509000000000000" pitchFamily="65" charset="-120"/>
               </a:rPr>
@@ -5648,72 +5836,72 @@
             </a:r>
             <a:r>
               <a:rPr lang="en-US" altLang="zh-TW" dirty="0" smtClean="0">
-                <a:solidFill>
-                  <a:srgbClr val="0000FF"/>
-                </a:solidFill>
-                <a:latin typeface="標楷體" panose="03000509000000000000" pitchFamily="65" charset="-120"/>
-                <a:ea typeface="標楷體" panose="03000509000000000000" pitchFamily="65" charset="-120"/>
-              </a:rPr>
-              <a:t>9</a:t>
-            </a:r>
-            <a:r>
-              <a:rPr lang="zh-TW" altLang="en-US" dirty="0" smtClean="0">
-                <a:solidFill>
-                  <a:srgbClr val="0000FF"/>
-                </a:solidFill>
-                <a:latin typeface="標楷體" panose="03000509000000000000" pitchFamily="65" charset="-120"/>
-                <a:ea typeface="標楷體" panose="03000509000000000000" pitchFamily="65" charset="-120"/>
-              </a:rPr>
-              <a:t>週：</a:t>
+                <a:latin typeface="標楷體" panose="03000509000000000000" pitchFamily="65" charset="-120"/>
+                <a:ea typeface="標楷體" panose="03000509000000000000" pitchFamily="65" charset="-120"/>
+              </a:rPr>
+              <a:t>10~12</a:t>
+            </a:r>
+            <a:r>
+              <a:rPr lang="zh-TW" altLang="en-US" dirty="0" smtClean="0">
+                <a:latin typeface="標楷體" panose="03000509000000000000" pitchFamily="65" charset="-120"/>
+                <a:ea typeface="標楷體" panose="03000509000000000000" pitchFamily="65" charset="-120"/>
+              </a:rPr>
+              <a:t>週</a:t>
+            </a:r>
+            <a:r>
+              <a:rPr lang="zh-TW" altLang="en-US" dirty="0">
+                <a:latin typeface="標楷體" panose="03000509000000000000" pitchFamily="65" charset="-120"/>
+                <a:ea typeface="標楷體" panose="03000509000000000000" pitchFamily="65" charset="-120"/>
+              </a:rPr>
+              <a:t>：</a:t>
+            </a:r>
+            <a:r>
+              <a:rPr lang="zh-TW" altLang="en-US" dirty="0" smtClean="0">
+                <a:latin typeface="標楷體" panose="03000509000000000000" pitchFamily="65" charset="-120"/>
+                <a:ea typeface="標楷體" panose="03000509000000000000" pitchFamily="65" charset="-120"/>
+              </a:rPr>
+              <a:t>探討</a:t>
+            </a:r>
+            <a:r>
+              <a:rPr lang="zh-TW" altLang="en-US" dirty="0">
+                <a:latin typeface="標楷體" panose="03000509000000000000" pitchFamily="65" charset="-120"/>
+                <a:ea typeface="標楷體" panose="03000509000000000000" pitchFamily="65" charset="-120"/>
+              </a:rPr>
+              <a:t>二</a:t>
+            </a:r>
+            <a:r>
+              <a:rPr lang="zh-TW" altLang="en-US" dirty="0" smtClean="0">
+                <a:latin typeface="標楷體" panose="03000509000000000000" pitchFamily="65" charset="-120"/>
+                <a:ea typeface="標楷體" panose="03000509000000000000" pitchFamily="65" charset="-120"/>
+              </a:rPr>
+              <a:t>個子系統</a:t>
+            </a:r>
+            <a:r>
+              <a:rPr lang="zh-TW" altLang="en-US" dirty="0">
+                <a:latin typeface="標楷體" panose="03000509000000000000" pitchFamily="65" charset="-120"/>
+                <a:ea typeface="標楷體" panose="03000509000000000000" pitchFamily="65" charset="-120"/>
+              </a:rPr>
+              <a:t>、 </a:t>
             </a:r>
             <a:r>
               <a:rPr lang="en-US" altLang="zh-TW" dirty="0" smtClean="0">
                 <a:solidFill>
-                  <a:srgbClr val="0000FF"/>
-                </a:solidFill>
-                <a:latin typeface="標楷體" panose="03000509000000000000" pitchFamily="65" charset="-120"/>
-                <a:ea typeface="標楷體" panose="03000509000000000000" pitchFamily="65" charset="-120"/>
-              </a:rPr>
-              <a:t>Midterm Exam</a:t>
-            </a:r>
-          </a:p>
-          <a:p>
-            <a:endParaRPr lang="en-US" altLang="zh-TW" dirty="0" smtClean="0">
-              <a:latin typeface="標楷體" panose="03000509000000000000" pitchFamily="65" charset="-120"/>
-              <a:ea typeface="標楷體" panose="03000509000000000000" pitchFamily="65" charset="-120"/>
-            </a:endParaRPr>
-          </a:p>
-          <a:p>
-            <a:r>
-              <a:rPr lang="zh-TW" altLang="en-US" dirty="0" smtClean="0">
-                <a:latin typeface="標楷體" panose="03000509000000000000" pitchFamily="65" charset="-120"/>
-                <a:ea typeface="標楷體" panose="03000509000000000000" pitchFamily="65" charset="-120"/>
-              </a:rPr>
-              <a:t>第</a:t>
+                  <a:srgbClr val="FF0000"/>
+                </a:solidFill>
+                <a:latin typeface="標楷體" panose="03000509000000000000" pitchFamily="65" charset="-120"/>
+                <a:ea typeface="標楷體" panose="03000509000000000000" pitchFamily="65" charset="-120"/>
+              </a:rPr>
+              <a:t>MS </a:t>
             </a:r>
             <a:r>
               <a:rPr lang="en-US" altLang="zh-TW" dirty="0" smtClean="0">
-                <a:latin typeface="標楷體" panose="03000509000000000000" pitchFamily="65" charset="-120"/>
-                <a:ea typeface="標楷體" panose="03000509000000000000" pitchFamily="65" charset="-120"/>
-              </a:rPr>
-              <a:t>10~12</a:t>
-            </a:r>
-            <a:r>
-              <a:rPr lang="zh-TW" altLang="en-US" dirty="0" smtClean="0">
-                <a:latin typeface="標楷體" panose="03000509000000000000" pitchFamily="65" charset="-120"/>
-                <a:ea typeface="標楷體" panose="03000509000000000000" pitchFamily="65" charset="-120"/>
-              </a:rPr>
-              <a:t>週：</a:t>
-            </a:r>
-            <a:r>
-              <a:rPr lang="en-US" altLang="zh-TW" dirty="0" smtClean="0">
                 <a:solidFill>
                   <a:srgbClr val="FF0000"/>
                 </a:solidFill>
                 <a:latin typeface="標楷體" panose="03000509000000000000" pitchFamily="65" charset="-120"/>
                 <a:ea typeface="標楷體" panose="03000509000000000000" pitchFamily="65" charset="-120"/>
               </a:rPr>
-              <a:t>MS SQL </a:t>
+              <a:t>SQL </a:t>
             </a:r>
             <a:r>
               <a:rPr lang="zh-TW" altLang="en-US" dirty="0" smtClean="0">
